--- a/fig/fig.pptx
+++ b/fig/fig.pptx
@@ -6735,8 +6735,8 @@
         </p:nvSpPr>
         <p:spPr>
           <a:xfrm>
-            <a:off x="786325" y="681544"/>
-            <a:ext cx="7713562" cy="4507143"/>
+            <a:off x="746759" y="714375"/>
+            <a:ext cx="7178041" cy="4467225"/>
           </a:xfrm>
           <a:prstGeom prst="rect">
             <a:avLst/>
@@ -6879,7 +6879,7 @@
         </p:nvSpPr>
         <p:spPr>
           <a:xfrm>
-            <a:off x="3265501" y="1586984"/>
+            <a:off x="3111145" y="1586983"/>
             <a:ext cx="2138168" cy="811315"/>
           </a:xfrm>
           <a:prstGeom prst="roundRect">
@@ -6966,7 +6966,7 @@
         </p:nvSpPr>
         <p:spPr>
           <a:xfrm>
-            <a:off x="5725673" y="1586983"/>
+            <a:off x="5410019" y="1586983"/>
             <a:ext cx="2138168" cy="811315"/>
           </a:xfrm>
           <a:prstGeom prst="roundRect">
@@ -7053,7 +7053,7 @@
         </p:nvSpPr>
         <p:spPr>
           <a:xfrm>
-            <a:off x="1845516" y="686462"/>
+            <a:off x="1739733" y="801611"/>
             <a:ext cx="2554447" cy="455178"/>
           </a:xfrm>
           <a:prstGeom prst="rect">
@@ -7111,7 +7111,7 @@
         </p:nvSpPr>
         <p:spPr>
           <a:xfrm>
-            <a:off x="6061983" y="681545"/>
+            <a:off x="5410019" y="782371"/>
             <a:ext cx="2437904" cy="455177"/>
           </a:xfrm>
           <a:prstGeom prst="rect">
@@ -7172,8 +7172,8 @@
         </p:nvCxnSpPr>
         <p:spPr>
           <a:xfrm flipH="1">
-            <a:off x="1874413" y="1141640"/>
-            <a:ext cx="1248327" cy="445345"/>
+            <a:off x="1874413" y="1256789"/>
+            <a:ext cx="1142544" cy="330196"/>
           </a:xfrm>
           <a:prstGeom prst="straightConnector1">
             <a:avLst/>
@@ -7213,8 +7213,8 @@
         </p:nvCxnSpPr>
         <p:spPr>
           <a:xfrm>
-            <a:off x="3122740" y="1141640"/>
-            <a:ext cx="1211845" cy="445344"/>
+            <a:off x="3016957" y="1256789"/>
+            <a:ext cx="1163272" cy="330194"/>
           </a:xfrm>
           <a:prstGeom prst="straightConnector1">
             <a:avLst/>
@@ -7254,8 +7254,8 @@
         </p:nvCxnSpPr>
         <p:spPr>
           <a:xfrm flipH="1">
-            <a:off x="6794757" y="1136722"/>
-            <a:ext cx="486178" cy="450261"/>
+            <a:off x="6479103" y="1237548"/>
+            <a:ext cx="149868" cy="349435"/>
           </a:xfrm>
           <a:prstGeom prst="straightConnector1">
             <a:avLst/>
@@ -7292,7 +7292,7 @@
         </p:nvSpPr>
         <p:spPr>
           <a:xfrm>
-            <a:off x="1108973" y="1105213"/>
+            <a:off x="1096782" y="1173671"/>
             <a:ext cx="1278170" cy="369332"/>
           </a:xfrm>
           <a:prstGeom prst="rect">
@@ -7322,7 +7322,7 @@
         </p:nvSpPr>
         <p:spPr>
           <a:xfrm>
-            <a:off x="3874399" y="1105213"/>
+            <a:off x="3784904" y="1173351"/>
             <a:ext cx="1112741" cy="369332"/>
           </a:xfrm>
           <a:prstGeom prst="rect">
@@ -7356,7 +7356,7 @@
         </p:nvSpPr>
         <p:spPr>
           <a:xfrm>
-            <a:off x="5738799" y="1105213"/>
+            <a:off x="5359770" y="1173351"/>
             <a:ext cx="1278170" cy="369332"/>
           </a:xfrm>
           <a:prstGeom prst="rect">
@@ -7389,8 +7389,8 @@
         </p:nvCxnSpPr>
         <p:spPr>
           <a:xfrm flipV="1">
-            <a:off x="2943497" y="1992642"/>
-            <a:ext cx="322004" cy="1"/>
+            <a:off x="2943497" y="1992641"/>
+            <a:ext cx="167648" cy="2"/>
           </a:xfrm>
           <a:prstGeom prst="straightConnector1">
             <a:avLst/>
@@ -7428,9 +7428,9 @@
           <p:nvPr/>
         </p:nvCxnSpPr>
         <p:spPr>
-          <a:xfrm flipV="1">
-            <a:off x="5403669" y="1992641"/>
-            <a:ext cx="322004" cy="1"/>
+          <a:xfrm>
+            <a:off x="5249313" y="1992641"/>
+            <a:ext cx="160706" cy="0"/>
           </a:xfrm>
           <a:prstGeom prst="straightConnector1">
             <a:avLst/>
@@ -7466,7 +7466,7 @@
         </p:nvSpPr>
         <p:spPr>
           <a:xfrm>
-            <a:off x="1096782" y="4072653"/>
+            <a:off x="1103132" y="3741256"/>
             <a:ext cx="1555262" cy="680100"/>
           </a:xfrm>
           <a:prstGeom prst="roundRect">
@@ -7521,7 +7521,7 @@
         <p:spPr>
           <a:xfrm>
             <a:off x="1874413" y="2398300"/>
-            <a:ext cx="0" cy="773830"/>
+            <a:ext cx="6350" cy="477534"/>
           </a:xfrm>
           <a:prstGeom prst="straightConnector1">
             <a:avLst/>
@@ -7588,9 +7588,9 @@
         </p:nvGrpSpPr>
         <p:grpSpPr>
           <a:xfrm>
-            <a:off x="4626038" y="4072653"/>
+            <a:off x="4552035" y="3741256"/>
             <a:ext cx="1555262" cy="680100"/>
-            <a:chOff x="4626038" y="4072653"/>
+            <a:chOff x="4590351" y="4041449"/>
             <a:chExt cx="1555262" cy="680100"/>
           </a:xfrm>
         </p:grpSpPr>
@@ -7602,7 +7602,7 @@
           </p:nvSpPr>
           <p:spPr>
             <a:xfrm>
-              <a:off x="4699297" y="4165824"/>
+              <a:off x="4663610" y="4119805"/>
               <a:ext cx="1408744" cy="299132"/>
             </a:xfrm>
             <a:prstGeom prst="roundRect">
@@ -7660,7 +7660,7 @@
           </p:nvSpPr>
           <p:spPr>
             <a:xfrm>
-              <a:off x="4626038" y="4072653"/>
+              <a:off x="4590351" y="4041449"/>
               <a:ext cx="1555262" cy="680100"/>
             </a:xfrm>
             <a:prstGeom prst="roundRect">
@@ -7715,8 +7715,8 @@
         </p:nvCxnSpPr>
         <p:spPr>
           <a:xfrm>
-            <a:off x="1874413" y="3659518"/>
-            <a:ext cx="0" cy="413135"/>
+            <a:off x="1880763" y="3363222"/>
+            <a:ext cx="0" cy="378034"/>
           </a:xfrm>
           <a:prstGeom prst="straightConnector1">
             <a:avLst/>
@@ -7753,13 +7753,13 @@
         </p:nvSpPr>
         <p:spPr>
           <a:xfrm>
-            <a:off x="2802329" y="2510738"/>
+            <a:off x="2928936" y="3261421"/>
             <a:ext cx="1248261" cy="612648"/>
           </a:xfrm>
           <a:prstGeom prst="wedgeEllipseCallout">
             <a:avLst>
-              <a:gd name="adj1" fmla="val 56680"/>
-              <a:gd name="adj2" fmla="val -81546"/>
+              <a:gd name="adj1" fmla="val 22314"/>
+              <a:gd name="adj2" fmla="val 82449"/>
             </a:avLst>
           </a:prstGeom>
           <a:solidFill>
@@ -7795,12 +7795,12 @@
           <a:p>
             <a:pPr algn="ctr"/>
             <a:r>
-              <a:rPr lang="ja-JP" altLang="en-US" sz="2400" b="1" dirty="0" smtClean="0">
+              <a:rPr lang="en-US" altLang="ja-JP" sz="2400" b="1" dirty="0" smtClean="0">
                 <a:solidFill>
                   <a:schemeClr val="tx1"/>
                 </a:solidFill>
               </a:rPr>
-              <a:t>格納</a:t>
+              <a:t>Store</a:t>
             </a:r>
             <a:endParaRPr lang="ja-JP" altLang="en-US" sz="2400" b="1" dirty="0">
               <a:solidFill>
@@ -7818,13 +7818,13 @@
         </p:nvSpPr>
         <p:spPr>
           <a:xfrm>
-            <a:off x="7220706" y="2907061"/>
-            <a:ext cx="1248261" cy="612648"/>
+            <a:off x="5293974" y="4488809"/>
+            <a:ext cx="1434573" cy="612648"/>
           </a:xfrm>
           <a:prstGeom prst="wedgeEllipseCallout">
             <a:avLst>
-              <a:gd name="adj1" fmla="val -16575"/>
-              <a:gd name="adj2" fmla="val -163116"/>
+              <a:gd name="adj1" fmla="val -52773"/>
+              <a:gd name="adj2" fmla="val -37355"/>
             </a:avLst>
           </a:prstGeom>
           <a:solidFill>
@@ -7860,13 +7860,18 @@
           <a:p>
             <a:pPr algn="ctr"/>
             <a:r>
-              <a:rPr lang="ja-JP" altLang="en-US" sz="2400" b="1" dirty="0">
+              <a:rPr lang="en-US" altLang="ja-JP" sz="2400" b="1" dirty="0" smtClean="0">
                 <a:solidFill>
                   <a:schemeClr val="tx1"/>
                 </a:solidFill>
               </a:rPr>
-              <a:t>削除</a:t>
-            </a:r>
+              <a:t>Delete</a:t>
+            </a:r>
+            <a:endParaRPr lang="ja-JP" altLang="en-US" sz="2400" b="1" dirty="0">
+              <a:solidFill>
+                <a:schemeClr val="tx1"/>
+              </a:solidFill>
+            </a:endParaRPr>
           </a:p>
         </p:txBody>
       </p:sp>
@@ -7878,8 +7883,8 @@
         </p:nvSpPr>
         <p:spPr>
           <a:xfrm>
-            <a:off x="786325" y="3172130"/>
-            <a:ext cx="2176176" cy="487388"/>
+            <a:off x="845423" y="2875834"/>
+            <a:ext cx="2070679" cy="487388"/>
           </a:xfrm>
           <a:prstGeom prst="roundRect">
             <a:avLst>
@@ -7938,8 +7943,8 @@
         </p:nvSpPr>
         <p:spPr>
           <a:xfrm>
-            <a:off x="4315581" y="3172130"/>
-            <a:ext cx="2176176" cy="487388"/>
+            <a:off x="4292701" y="2880160"/>
+            <a:ext cx="2073930" cy="487388"/>
           </a:xfrm>
           <a:prstGeom prst="roundRect">
             <a:avLst>
@@ -8001,8 +8006,8 @@
         </p:nvCxnSpPr>
         <p:spPr>
           <a:xfrm>
-            <a:off x="4334585" y="2398299"/>
-            <a:ext cx="1069084" cy="773831"/>
+            <a:off x="4180229" y="2398298"/>
+            <a:ext cx="1149437" cy="481862"/>
           </a:xfrm>
           <a:prstGeom prst="straightConnector1">
             <a:avLst/>
@@ -8039,7 +8044,7 @@
         </p:nvSpPr>
         <p:spPr>
           <a:xfrm>
-            <a:off x="1816288" y="3627308"/>
+            <a:off x="1816288" y="3313627"/>
             <a:ext cx="660950" cy="369332"/>
           </a:xfrm>
           <a:prstGeom prst="rect">
@@ -8072,8 +8077,8 @@
         </p:nvCxnSpPr>
         <p:spPr>
           <a:xfrm>
-            <a:off x="5403669" y="3659518"/>
-            <a:ext cx="0" cy="413135"/>
+            <a:off x="5329666" y="3367548"/>
+            <a:ext cx="0" cy="373708"/>
           </a:xfrm>
           <a:prstGeom prst="straightConnector1">
             <a:avLst/>
@@ -8113,8 +8118,8 @@
         </p:nvCxnSpPr>
         <p:spPr>
           <a:xfrm flipH="1">
-            <a:off x="2962501" y="2398298"/>
-            <a:ext cx="3832256" cy="1017526"/>
+            <a:off x="2916102" y="2398298"/>
+            <a:ext cx="3563001" cy="721230"/>
           </a:xfrm>
           <a:prstGeom prst="straightConnector1">
             <a:avLst/>
@@ -8154,8 +8159,8 @@
         </p:nvCxnSpPr>
         <p:spPr>
           <a:xfrm>
-            <a:off x="2652044" y="4412703"/>
-            <a:ext cx="1973994" cy="0"/>
+            <a:off x="2658394" y="4081306"/>
+            <a:ext cx="1893641" cy="0"/>
           </a:xfrm>
           <a:prstGeom prst="straightConnector1">
             <a:avLst/>
@@ -8194,12 +8199,12 @@
         </p:nvCxnSpPr>
         <p:spPr>
           <a:xfrm rot="5400000">
-            <a:off x="3639041" y="2988125"/>
-            <a:ext cx="12700" cy="3529256"/>
+            <a:off x="3605215" y="2696905"/>
+            <a:ext cx="12700" cy="3448903"/>
           </a:xfrm>
           <a:prstGeom prst="curvedConnector3">
             <a:avLst>
-              <a:gd name="adj1" fmla="val 3306976"/>
+              <a:gd name="adj1" fmla="val 2700016"/>
             </a:avLst>
           </a:prstGeom>
           <a:ln w="28575">
